--- a/PDF/sim_laundry.pptx
+++ b/PDF/sim_laundry.pptx
@@ -332,7 +332,7 @@
             <a:fld id="{827BB02C-9FF5-4C8E-8A45-04B619399006}" type="datetimeFigureOut">
               <a:rPr lang="en-US" smtClean="0"/>
               <a:pPr/>
-              <a:t>9/15/2017</a:t>
+              <a:t>9/25/2017</a:t>
             </a:fld>
             <a:endParaRPr lang="en-US"/>
           </a:p>
@@ -499,7 +499,7 @@
             <a:fld id="{827BB02C-9FF5-4C8E-8A45-04B619399006}" type="datetimeFigureOut">
               <a:rPr lang="en-US" smtClean="0"/>
               <a:pPr/>
-              <a:t>9/15/2017</a:t>
+              <a:t>9/25/2017</a:t>
             </a:fld>
             <a:endParaRPr lang="en-US"/>
           </a:p>
@@ -676,7 +676,7 @@
             <a:fld id="{827BB02C-9FF5-4C8E-8A45-04B619399006}" type="datetimeFigureOut">
               <a:rPr lang="en-US" smtClean="0"/>
               <a:pPr/>
-              <a:t>9/15/2017</a:t>
+              <a:t>9/25/2017</a:t>
             </a:fld>
             <a:endParaRPr lang="en-US"/>
           </a:p>
@@ -843,7 +843,7 @@
             <a:fld id="{827BB02C-9FF5-4C8E-8A45-04B619399006}" type="datetimeFigureOut">
               <a:rPr lang="en-US" smtClean="0"/>
               <a:pPr/>
-              <a:t>9/15/2017</a:t>
+              <a:t>9/25/2017</a:t>
             </a:fld>
             <a:endParaRPr lang="en-US"/>
           </a:p>
@@ -1086,7 +1086,7 @@
             <a:fld id="{827BB02C-9FF5-4C8E-8A45-04B619399006}" type="datetimeFigureOut">
               <a:rPr lang="en-US" smtClean="0"/>
               <a:pPr/>
-              <a:t>9/15/2017</a:t>
+              <a:t>9/25/2017</a:t>
             </a:fld>
             <a:endParaRPr lang="en-US"/>
           </a:p>
@@ -1371,7 +1371,7 @@
             <a:fld id="{827BB02C-9FF5-4C8E-8A45-04B619399006}" type="datetimeFigureOut">
               <a:rPr lang="en-US" smtClean="0"/>
               <a:pPr/>
-              <a:t>9/15/2017</a:t>
+              <a:t>9/25/2017</a:t>
             </a:fld>
             <a:endParaRPr lang="en-US"/>
           </a:p>
@@ -1790,7 +1790,7 @@
             <a:fld id="{827BB02C-9FF5-4C8E-8A45-04B619399006}" type="datetimeFigureOut">
               <a:rPr lang="en-US" smtClean="0"/>
               <a:pPr/>
-              <a:t>9/15/2017</a:t>
+              <a:t>9/25/2017</a:t>
             </a:fld>
             <a:endParaRPr lang="en-US"/>
           </a:p>
@@ -1905,7 +1905,7 @@
             <a:fld id="{827BB02C-9FF5-4C8E-8A45-04B619399006}" type="datetimeFigureOut">
               <a:rPr lang="en-US" smtClean="0"/>
               <a:pPr/>
-              <a:t>9/15/2017</a:t>
+              <a:t>9/25/2017</a:t>
             </a:fld>
             <a:endParaRPr lang="en-US"/>
           </a:p>
@@ -1997,7 +1997,7 @@
             <a:fld id="{827BB02C-9FF5-4C8E-8A45-04B619399006}" type="datetimeFigureOut">
               <a:rPr lang="en-US" smtClean="0"/>
               <a:pPr/>
-              <a:t>9/15/2017</a:t>
+              <a:t>9/25/2017</a:t>
             </a:fld>
             <a:endParaRPr lang="en-US"/>
           </a:p>
@@ -2271,7 +2271,7 @@
             <a:fld id="{827BB02C-9FF5-4C8E-8A45-04B619399006}" type="datetimeFigureOut">
               <a:rPr lang="en-US" smtClean="0"/>
               <a:pPr/>
-              <a:t>9/15/2017</a:t>
+              <a:t>9/25/2017</a:t>
             </a:fld>
             <a:endParaRPr lang="en-US"/>
           </a:p>
@@ -2525,7 +2525,7 @@
             <a:fld id="{827BB02C-9FF5-4C8E-8A45-04B619399006}" type="datetimeFigureOut">
               <a:rPr lang="en-US" smtClean="0"/>
               <a:pPr/>
-              <a:t>9/15/2017</a:t>
+              <a:t>9/25/2017</a:t>
             </a:fld>
             <a:endParaRPr lang="en-US"/>
           </a:p>
@@ -2735,7 +2735,7 @@
             <a:fld id="{827BB02C-9FF5-4C8E-8A45-04B619399006}" type="datetimeFigureOut">
               <a:rPr lang="en-US" smtClean="0"/>
               <a:pPr/>
-              <a:t>9/15/2017</a:t>
+              <a:t>9/25/2017</a:t>
             </a:fld>
             <a:endParaRPr lang="en-US"/>
           </a:p>
